--- a/Singular Value Powerpoints/SVD 10 Filters Snippet 3.pptx
+++ b/Singular Value Powerpoints/SVD 10 Filters Snippet 3.pptx
@@ -8,15 +8,15 @@
     <p:sldId id="257" r:id="rId5"/>
     <p:sldId id="258" r:id="rId6"/>
     <p:sldId id="259" r:id="rId7"/>
-    <p:sldId id="260" r:id="rId8"/>
-    <p:sldId id="261" r:id="rId9"/>
-    <p:sldId id="263" r:id="rId10"/>
-    <p:sldId id="264" r:id="rId11"/>
+    <p:sldId id="269" r:id="rId8"/>
+    <p:sldId id="268" r:id="rId9"/>
+    <p:sldId id="267" r:id="rId10"/>
+    <p:sldId id="266" r:id="rId11"/>
     <p:sldId id="265" r:id="rId12"/>
-    <p:sldId id="266" r:id="rId13"/>
-    <p:sldId id="267" r:id="rId14"/>
-    <p:sldId id="268" r:id="rId15"/>
-    <p:sldId id="269" r:id="rId16"/>
+    <p:sldId id="264" r:id="rId13"/>
+    <p:sldId id="263" r:id="rId14"/>
+    <p:sldId id="261" r:id="rId15"/>
+    <p:sldId id="260" r:id="rId16"/>
     <p:sldId id="270" r:id="rId17"/>
   </p:sldIdLst>
   <p:sldSz cx="12192000" cy="6858000"/>
@@ -126,30 +126,6 @@
 
 <file path=ppt/changesInfos/changesInfo1.xml><?xml version="1.0" encoding="utf-8"?>
 <pc:chgInfo xmlns:a="http://schemas.openxmlformats.org/drawingml/2006/main" xmlns:r="http://schemas.openxmlformats.org/officeDocument/2006/relationships" xmlns:ac="http://schemas.microsoft.com/office/drawing/2013/main/command" xmlns:pc="http://schemas.microsoft.com/office/powerpoint/2013/main/command">
-  <pc:docChgLst>
-    <pc:chgData name="Lauren Lusk" userId="e477d43f-5f0b-4957-bd76-f0f56d95eb50" providerId="ADAL" clId="{E4E15EF0-607C-CB4C-A532-41FC2C702064}"/>
-    <pc:docChg chg="undo custSel modSld">
-      <pc:chgData name="Lauren Lusk" userId="e477d43f-5f0b-4957-bd76-f0f56d95eb50" providerId="ADAL" clId="{E4E15EF0-607C-CB4C-A532-41FC2C702064}" dt="2021-05-07T14:36:59.964" v="7" actId="1076"/>
-      <pc:docMkLst>
-        <pc:docMk/>
-      </pc:docMkLst>
-      <pc:sldChg chg="modSp mod">
-        <pc:chgData name="Lauren Lusk" userId="e477d43f-5f0b-4957-bd76-f0f56d95eb50" providerId="ADAL" clId="{E4E15EF0-607C-CB4C-A532-41FC2C702064}" dt="2021-05-07T14:36:59.964" v="7" actId="1076"/>
-        <pc:sldMkLst>
-          <pc:docMk/>
-          <pc:sldMk cId="1837722674" sldId="259"/>
-        </pc:sldMkLst>
-        <pc:picChg chg="mod">
-          <ac:chgData name="Lauren Lusk" userId="e477d43f-5f0b-4957-bd76-f0f56d95eb50" providerId="ADAL" clId="{E4E15EF0-607C-CB4C-A532-41FC2C702064}" dt="2021-05-07T14:36:59.964" v="7" actId="1076"/>
-          <ac:picMkLst>
-            <pc:docMk/>
-            <pc:sldMk cId="1837722674" sldId="259"/>
-            <ac:picMk id="41" creationId="{E1100BE6-8BB9-4987-830C-0A5D1A24CCB1}"/>
-          </ac:picMkLst>
-        </pc:picChg>
-      </pc:sldChg>
-    </pc:docChg>
-  </pc:docChgLst>
   <pc:docChgLst>
     <pc:chgData name="Lusk, Lauren" userId="e477d43f-5f0b-4957-bd76-f0f56d95eb50" providerId="ADAL" clId="{68031FE3-8B7F-47DE-A2CA-9B9208A24CE9}"/>
     <pc:docChg chg="custSel modSld">
@@ -754,6 +730,30 @@
       </pc:sldChg>
     </pc:docChg>
   </pc:docChgLst>
+  <pc:docChgLst>
+    <pc:chgData name="Lauren Lusk" userId="e477d43f-5f0b-4957-bd76-f0f56d95eb50" providerId="ADAL" clId="{E4E15EF0-607C-CB4C-A532-41FC2C702064}"/>
+    <pc:docChg chg="undo custSel modSld">
+      <pc:chgData name="Lauren Lusk" userId="e477d43f-5f0b-4957-bd76-f0f56d95eb50" providerId="ADAL" clId="{E4E15EF0-607C-CB4C-A532-41FC2C702064}" dt="2021-05-07T14:36:59.964" v="7" actId="1076"/>
+      <pc:docMkLst>
+        <pc:docMk/>
+      </pc:docMkLst>
+      <pc:sldChg chg="modSp mod">
+        <pc:chgData name="Lauren Lusk" userId="e477d43f-5f0b-4957-bd76-f0f56d95eb50" providerId="ADAL" clId="{E4E15EF0-607C-CB4C-A532-41FC2C702064}" dt="2021-05-07T14:36:59.964" v="7" actId="1076"/>
+        <pc:sldMkLst>
+          <pc:docMk/>
+          <pc:sldMk cId="1837722674" sldId="259"/>
+        </pc:sldMkLst>
+        <pc:picChg chg="mod">
+          <ac:chgData name="Lauren Lusk" userId="e477d43f-5f0b-4957-bd76-f0f56d95eb50" providerId="ADAL" clId="{E4E15EF0-607C-CB4C-A532-41FC2C702064}" dt="2021-05-07T14:36:59.964" v="7" actId="1076"/>
+          <ac:picMkLst>
+            <pc:docMk/>
+            <pc:sldMk cId="1837722674" sldId="259"/>
+            <ac:picMk id="41" creationId="{E1100BE6-8BB9-4987-830C-0A5D1A24CCB1}"/>
+          </ac:picMkLst>
+        </pc:picChg>
+      </pc:sldChg>
+    </pc:docChg>
+  </pc:docChgLst>
 </pc:chgInfo>
 </file>
 
@@ -904,7 +904,7 @@
           <a:p>
             <a:fld id="{2FAA3BAB-C8E8-4DC7-8A32-B15DF81BCF92}" type="datetimeFigureOut">
               <a:rPr lang="en-US" smtClean="0"/>
-              <a:t>5/7/21</a:t>
+              <a:t>5/8/21</a:t>
             </a:fld>
             <a:endParaRPr lang="en-US"/>
           </a:p>
@@ -1102,7 +1102,7 @@
           <a:p>
             <a:fld id="{2FAA3BAB-C8E8-4DC7-8A32-B15DF81BCF92}" type="datetimeFigureOut">
               <a:rPr lang="en-US" smtClean="0"/>
-              <a:t>5/7/21</a:t>
+              <a:t>5/8/21</a:t>
             </a:fld>
             <a:endParaRPr lang="en-US"/>
           </a:p>
@@ -1310,7 +1310,7 @@
           <a:p>
             <a:fld id="{2FAA3BAB-C8E8-4DC7-8A32-B15DF81BCF92}" type="datetimeFigureOut">
               <a:rPr lang="en-US" smtClean="0"/>
-              <a:t>5/7/21</a:t>
+              <a:t>5/8/21</a:t>
             </a:fld>
             <a:endParaRPr lang="en-US"/>
           </a:p>
@@ -1508,7 +1508,7 @@
           <a:p>
             <a:fld id="{2FAA3BAB-C8E8-4DC7-8A32-B15DF81BCF92}" type="datetimeFigureOut">
               <a:rPr lang="en-US" smtClean="0"/>
-              <a:t>5/7/21</a:t>
+              <a:t>5/8/21</a:t>
             </a:fld>
             <a:endParaRPr lang="en-US"/>
           </a:p>
@@ -1783,7 +1783,7 @@
           <a:p>
             <a:fld id="{2FAA3BAB-C8E8-4DC7-8A32-B15DF81BCF92}" type="datetimeFigureOut">
               <a:rPr lang="en-US" smtClean="0"/>
-              <a:t>5/7/21</a:t>
+              <a:t>5/8/21</a:t>
             </a:fld>
             <a:endParaRPr lang="en-US"/>
           </a:p>
@@ -2048,7 +2048,7 @@
           <a:p>
             <a:fld id="{2FAA3BAB-C8E8-4DC7-8A32-B15DF81BCF92}" type="datetimeFigureOut">
               <a:rPr lang="en-US" smtClean="0"/>
-              <a:t>5/7/21</a:t>
+              <a:t>5/8/21</a:t>
             </a:fld>
             <a:endParaRPr lang="en-US"/>
           </a:p>
@@ -2460,7 +2460,7 @@
           <a:p>
             <a:fld id="{2FAA3BAB-C8E8-4DC7-8A32-B15DF81BCF92}" type="datetimeFigureOut">
               <a:rPr lang="en-US" smtClean="0"/>
-              <a:t>5/7/21</a:t>
+              <a:t>5/8/21</a:t>
             </a:fld>
             <a:endParaRPr lang="en-US"/>
           </a:p>
@@ -2601,7 +2601,7 @@
           <a:p>
             <a:fld id="{2FAA3BAB-C8E8-4DC7-8A32-B15DF81BCF92}" type="datetimeFigureOut">
               <a:rPr lang="en-US" smtClean="0"/>
-              <a:t>5/7/21</a:t>
+              <a:t>5/8/21</a:t>
             </a:fld>
             <a:endParaRPr lang="en-US"/>
           </a:p>
@@ -2714,7 +2714,7 @@
           <a:p>
             <a:fld id="{2FAA3BAB-C8E8-4DC7-8A32-B15DF81BCF92}" type="datetimeFigureOut">
               <a:rPr lang="en-US" smtClean="0"/>
-              <a:t>5/7/21</a:t>
+              <a:t>5/8/21</a:t>
             </a:fld>
             <a:endParaRPr lang="en-US"/>
           </a:p>
@@ -3025,7 +3025,7 @@
           <a:p>
             <a:fld id="{2FAA3BAB-C8E8-4DC7-8A32-B15DF81BCF92}" type="datetimeFigureOut">
               <a:rPr lang="en-US" smtClean="0"/>
-              <a:t>5/7/21</a:t>
+              <a:t>5/8/21</a:t>
             </a:fld>
             <a:endParaRPr lang="en-US"/>
           </a:p>
@@ -3313,7 +3313,7 @@
           <a:p>
             <a:fld id="{2FAA3BAB-C8E8-4DC7-8A32-B15DF81BCF92}" type="datetimeFigureOut">
               <a:rPr lang="en-US" smtClean="0"/>
-              <a:t>5/7/21</a:t>
+              <a:t>5/8/21</a:t>
             </a:fld>
             <a:endParaRPr lang="en-US"/>
           </a:p>
@@ -3554,7 +3554,7 @@
           <a:p>
             <a:fld id="{2FAA3BAB-C8E8-4DC7-8A32-B15DF81BCF92}" type="datetimeFigureOut">
               <a:rPr lang="en-US" smtClean="0"/>
-              <a:t>5/7/21</a:t>
+              <a:t>5/8/21</a:t>
             </a:fld>
             <a:endParaRPr lang="en-US"/>
           </a:p>
@@ -4151,10 +4151,10 @@
       </p:sp>
       <p:pic>
         <p:nvPicPr>
-          <p:cNvPr id="3" name="Picture 2" descr="Chart&#10;&#10;Description automatically generated">
-            <a:extLst>
-              <a:ext uri="{FF2B5EF4-FFF2-40B4-BE49-F238E27FC236}">
-                <a16:creationId xmlns:a16="http://schemas.microsoft.com/office/drawing/2014/main" id="{7FF99A41-90DF-48D9-AA42-78FC8172BBCE}"/>
+          <p:cNvPr id="11" name="Picture 10" descr="Chart&#10;&#10;Description automatically generated">
+            <a:extLst>
+              <a:ext uri="{FF2B5EF4-FFF2-40B4-BE49-F238E27FC236}">
+                <a16:creationId xmlns:a16="http://schemas.microsoft.com/office/drawing/2014/main" id="{D8DF29AE-0907-437D-B85E-B6B915B1CCC2}"/>
               </a:ext>
             </a:extLst>
           </p:cNvPr>
@@ -4187,10 +4187,10 @@
       </p:pic>
       <p:pic>
         <p:nvPicPr>
-          <p:cNvPr id="13" name="Picture 12" descr="Chart, line chart&#10;&#10;Description automatically generated">
-            <a:extLst>
-              <a:ext uri="{FF2B5EF4-FFF2-40B4-BE49-F238E27FC236}">
-                <a16:creationId xmlns:a16="http://schemas.microsoft.com/office/drawing/2014/main" id="{7DCD1449-415A-4D17-ACF6-F63D7E189A45}"/>
+          <p:cNvPr id="9" name="Picture 8" descr="A picture containing chart&#10;&#10;Description automatically generated">
+            <a:extLst>
+              <a:ext uri="{FF2B5EF4-FFF2-40B4-BE49-F238E27FC236}">
+                <a16:creationId xmlns:a16="http://schemas.microsoft.com/office/drawing/2014/main" id="{8FF39B63-96DA-4117-8053-5CA935D37E12}"/>
               </a:ext>
             </a:extLst>
           </p:cNvPr>
@@ -4223,10 +4223,10 @@
       </p:pic>
       <p:pic>
         <p:nvPicPr>
-          <p:cNvPr id="14" name="Picture 13" descr="Chart&#10;&#10;Description automatically generated">
-            <a:extLst>
-              <a:ext uri="{FF2B5EF4-FFF2-40B4-BE49-F238E27FC236}">
-                <a16:creationId xmlns:a16="http://schemas.microsoft.com/office/drawing/2014/main" id="{F3DBB831-D840-45AD-8BEE-3FF3D1D4546F}"/>
+          <p:cNvPr id="15" name="Picture 14" descr="Chart&#10;&#10;Description automatically generated">
+            <a:extLst>
+              <a:ext uri="{FF2B5EF4-FFF2-40B4-BE49-F238E27FC236}">
+                <a16:creationId xmlns:a16="http://schemas.microsoft.com/office/drawing/2014/main" id="{777DF070-AB85-400B-975D-2E721976DDF9}"/>
               </a:ext>
             </a:extLst>
           </p:cNvPr>
@@ -4262,7 +4262,7 @@
           <p:cNvPr id="6" name="Rectangle 5">
             <a:extLst>
               <a:ext uri="{FF2B5EF4-FFF2-40B4-BE49-F238E27FC236}">
-                <a16:creationId xmlns:a16="http://schemas.microsoft.com/office/drawing/2014/main" id="{324CD70B-9B1F-4607-B2D0-13988E991283}"/>
+                <a16:creationId xmlns:a16="http://schemas.microsoft.com/office/drawing/2014/main" id="{B09DB559-1910-4B42-AA60-694C3B167C22}"/>
               </a:ext>
             </a:extLst>
           </p:cNvPr>
@@ -4312,7 +4312,7 @@
     </p:spTree>
     <p:extLst>
       <p:ext uri="{BB962C8B-B14F-4D97-AF65-F5344CB8AC3E}">
-        <p14:creationId xmlns:p14="http://schemas.microsoft.com/office/powerpoint/2010/main" val="2886163851"/>
+        <p14:creationId xmlns:p14="http://schemas.microsoft.com/office/powerpoint/2010/main" val="1286968106"/>
       </p:ext>
     </p:extLst>
   </p:cSld>
@@ -4374,10 +4374,10 @@
       </p:sp>
       <p:pic>
         <p:nvPicPr>
-          <p:cNvPr id="3" name="Picture 2" descr="Chart, histogram&#10;&#10;Description automatically generated">
-            <a:extLst>
-              <a:ext uri="{FF2B5EF4-FFF2-40B4-BE49-F238E27FC236}">
-                <a16:creationId xmlns:a16="http://schemas.microsoft.com/office/drawing/2014/main" id="{D18F98AF-6D9D-439C-B126-20E24BB7B489}"/>
+          <p:cNvPr id="13" name="Picture 12" descr="Chart, histogram&#10;&#10;Description automatically generated">
+            <a:extLst>
+              <a:ext uri="{FF2B5EF4-FFF2-40B4-BE49-F238E27FC236}">
+                <a16:creationId xmlns:a16="http://schemas.microsoft.com/office/drawing/2014/main" id="{AAB789F9-EF5E-4C76-8981-4BABEF2DD8E6}"/>
               </a:ext>
             </a:extLst>
           </p:cNvPr>
@@ -4410,10 +4410,10 @@
       </p:pic>
       <p:pic>
         <p:nvPicPr>
-          <p:cNvPr id="13" name="Picture 12" descr="Chart, line chart&#10;&#10;Description automatically generated">
-            <a:extLst>
-              <a:ext uri="{FF2B5EF4-FFF2-40B4-BE49-F238E27FC236}">
-                <a16:creationId xmlns:a16="http://schemas.microsoft.com/office/drawing/2014/main" id="{39E41136-8306-457D-A996-28A66CCF7FC4}"/>
+          <p:cNvPr id="8" name="Picture 7" descr="Chart, line chart&#10;&#10;Description automatically generated">
+            <a:extLst>
+              <a:ext uri="{FF2B5EF4-FFF2-40B4-BE49-F238E27FC236}">
+                <a16:creationId xmlns:a16="http://schemas.microsoft.com/office/drawing/2014/main" id="{0DEC1C41-976F-4213-84B6-82AFD128EF81}"/>
               </a:ext>
             </a:extLst>
           </p:cNvPr>
@@ -4446,10 +4446,10 @@
       </p:pic>
       <p:pic>
         <p:nvPicPr>
-          <p:cNvPr id="14" name="Picture 13" descr="Chart&#10;&#10;Description automatically generated">
-            <a:extLst>
-              <a:ext uri="{FF2B5EF4-FFF2-40B4-BE49-F238E27FC236}">
-                <a16:creationId xmlns:a16="http://schemas.microsoft.com/office/drawing/2014/main" id="{ED9442A7-E1CA-4423-9EA7-C37E329C6ACD}"/>
+          <p:cNvPr id="18" name="Picture 17" descr="Chart&#10;&#10;Description automatically generated">
+            <a:extLst>
+              <a:ext uri="{FF2B5EF4-FFF2-40B4-BE49-F238E27FC236}">
+                <a16:creationId xmlns:a16="http://schemas.microsoft.com/office/drawing/2014/main" id="{7CFC57F0-B1BB-475D-A32E-2818D2948897}"/>
               </a:ext>
             </a:extLst>
           </p:cNvPr>
@@ -4485,7 +4485,7 @@
           <p:cNvPr id="6" name="Rectangle 5">
             <a:extLst>
               <a:ext uri="{FF2B5EF4-FFF2-40B4-BE49-F238E27FC236}">
-                <a16:creationId xmlns:a16="http://schemas.microsoft.com/office/drawing/2014/main" id="{080961C2-EBD3-431E-8676-B1448045A534}"/>
+                <a16:creationId xmlns:a16="http://schemas.microsoft.com/office/drawing/2014/main" id="{F191D5C6-8989-4FD8-9347-EE0ED5D59FE0}"/>
               </a:ext>
             </a:extLst>
           </p:cNvPr>
@@ -4535,7 +4535,7 @@
     </p:spTree>
     <p:extLst>
       <p:ext uri="{BB962C8B-B14F-4D97-AF65-F5344CB8AC3E}">
-        <p14:creationId xmlns:p14="http://schemas.microsoft.com/office/powerpoint/2010/main" val="1567104307"/>
+        <p14:creationId xmlns:p14="http://schemas.microsoft.com/office/powerpoint/2010/main" val="2576847802"/>
       </p:ext>
     </p:extLst>
   </p:cSld>
@@ -4597,10 +4597,10 @@
       </p:sp>
       <p:pic>
         <p:nvPicPr>
-          <p:cNvPr id="3" name="Picture 2" descr="Chart&#10;&#10;Description automatically generated with low confidence">
-            <a:extLst>
-              <a:ext uri="{FF2B5EF4-FFF2-40B4-BE49-F238E27FC236}">
-                <a16:creationId xmlns:a16="http://schemas.microsoft.com/office/drawing/2014/main" id="{5D16902A-475E-4475-80B0-6DF01292F269}"/>
+          <p:cNvPr id="13" name="Picture 12" descr="Chart&#10;&#10;Description automatically generated">
+            <a:extLst>
+              <a:ext uri="{FF2B5EF4-FFF2-40B4-BE49-F238E27FC236}">
+                <a16:creationId xmlns:a16="http://schemas.microsoft.com/office/drawing/2014/main" id="{85B0F5D5-74D6-400A-A2DB-195479ACF484}"/>
               </a:ext>
             </a:extLst>
           </p:cNvPr>
@@ -4623,7 +4623,7 @@
         </p:blipFill>
         <p:spPr>
           <a:xfrm>
-            <a:off x="7089059" y="3772002"/>
+            <a:off x="7089059" y="3736462"/>
             <a:ext cx="3974592" cy="2980944"/>
           </a:xfrm>
           <a:prstGeom prst="rect">
@@ -4633,10 +4633,10 @@
       </p:pic>
       <p:pic>
         <p:nvPicPr>
-          <p:cNvPr id="17" name="Picture 16" descr="Chart, line chart&#10;&#10;Description automatically generated">
-            <a:extLst>
-              <a:ext uri="{FF2B5EF4-FFF2-40B4-BE49-F238E27FC236}">
-                <a16:creationId xmlns:a16="http://schemas.microsoft.com/office/drawing/2014/main" id="{D21656C2-F6EE-4CD7-8DE9-AA50A6581A40}"/>
+          <p:cNvPr id="9" name="Picture 8" descr="Chart, line chart&#10;&#10;Description automatically generated">
+            <a:extLst>
+              <a:ext uri="{FF2B5EF4-FFF2-40B4-BE49-F238E27FC236}">
+                <a16:creationId xmlns:a16="http://schemas.microsoft.com/office/drawing/2014/main" id="{DFC9E088-168F-4A84-8875-713226F293F4}"/>
               </a:ext>
             </a:extLst>
           </p:cNvPr>
@@ -4669,10 +4669,10 @@
       </p:pic>
       <p:pic>
         <p:nvPicPr>
-          <p:cNvPr id="18" name="Picture 17" descr="Chart&#10;&#10;Description automatically generated">
-            <a:extLst>
-              <a:ext uri="{FF2B5EF4-FFF2-40B4-BE49-F238E27FC236}">
-                <a16:creationId xmlns:a16="http://schemas.microsoft.com/office/drawing/2014/main" id="{2E5BB457-3F15-4376-8E14-156C62FAE391}"/>
+          <p:cNvPr id="14" name="Picture 13" descr="Chart&#10;&#10;Description automatically generated">
+            <a:extLst>
+              <a:ext uri="{FF2B5EF4-FFF2-40B4-BE49-F238E27FC236}">
+                <a16:creationId xmlns:a16="http://schemas.microsoft.com/office/drawing/2014/main" id="{E49DF2E6-842A-46F2-BD0E-A6934A2E1EB9}"/>
               </a:ext>
             </a:extLst>
           </p:cNvPr>
@@ -4695,7 +4695,7 @@
         </p:blipFill>
         <p:spPr>
           <a:xfrm>
-            <a:off x="7089059" y="425298"/>
+            <a:off x="7089059" y="389758"/>
             <a:ext cx="4462272" cy="3346704"/>
           </a:xfrm>
           <a:prstGeom prst="rect">
@@ -4708,7 +4708,7 @@
           <p:cNvPr id="6" name="Rectangle 5">
             <a:extLst>
               <a:ext uri="{FF2B5EF4-FFF2-40B4-BE49-F238E27FC236}">
-                <a16:creationId xmlns:a16="http://schemas.microsoft.com/office/drawing/2014/main" id="{975403FC-ED4A-45D8-BB9D-D93CCEE5CC6C}"/>
+                <a16:creationId xmlns:a16="http://schemas.microsoft.com/office/drawing/2014/main" id="{485CEA26-BC07-4290-B6F1-AD210D945C8F}"/>
               </a:ext>
             </a:extLst>
           </p:cNvPr>
@@ -4758,7 +4758,7 @@
     </p:spTree>
     <p:extLst>
       <p:ext uri="{BB962C8B-B14F-4D97-AF65-F5344CB8AC3E}">
-        <p14:creationId xmlns:p14="http://schemas.microsoft.com/office/powerpoint/2010/main" val="629351490"/>
+        <p14:creationId xmlns:p14="http://schemas.microsoft.com/office/powerpoint/2010/main" val="482760846"/>
       </p:ext>
     </p:extLst>
   </p:cSld>
@@ -4843,28 +4843,36 @@
             <a:pPr lvl="1"/>
             <a:r>
               <a:rPr lang="en-US" dirty="0"/>
-              <a:t>SOI can be seen in the SVD of Filter 1, 10, and a little bit in Filter 2 </a:t>
+              <a:t>SOI can be seen in the singular values of Filter 1, 2, 10</a:t>
             </a:r>
           </a:p>
           <a:p>
             <a:pPr lvl="1"/>
             <a:r>
               <a:rPr lang="en-US" dirty="0"/>
-              <a:t>Filters 1, 2, 3, and 10 show the singular values of the narrow band nuisance signals</a:t>
+              <a:t>Filters 1, 2, 9, and 10 show the singular values of the narrow band nuisance signals</a:t>
             </a:r>
           </a:p>
           <a:p>
             <a:pPr lvl="1"/>
             <a:r>
               <a:rPr lang="en-US" dirty="0"/>
-              <a:t>Filters 4-7 is just random noise</a:t>
+              <a:t>Filters 5-8 is just random noise</a:t>
             </a:r>
           </a:p>
           <a:p>
             <a:pPr lvl="1"/>
             <a:r>
               <a:rPr lang="en-US" dirty="0"/>
-              <a:t>Filter 8-9 show the SVD of the diagonal signal and another nuisance signal</a:t>
+              <a:t>Filters 3, 4, and 9 show </a:t>
+            </a:r>
+            <a:r>
+              <a:rPr lang="en-US"/>
+              <a:t>the singular values of </a:t>
+            </a:r>
+            <a:r>
+              <a:rPr lang="en-US" dirty="0"/>
+              <a:t>the LFM signal and another nuisance signal</a:t>
             </a:r>
           </a:p>
           <a:p>
@@ -5274,19 +5282,13 @@
           <a:p>
             <a:r>
               <a:rPr lang="en-US" sz="1800" dirty="0"/>
-              <a:t>Waterfall plot of Snippet 13</a:t>
+              <a:t>Waterfall plot of Sensor 1 of Snippet 3</a:t>
             </a:r>
           </a:p>
           <a:p>
             <a:r>
               <a:rPr lang="en-US" sz="1800" dirty="0"/>
-              <a:t>No SVD removal</a:t>
-            </a:r>
-          </a:p>
-          <a:p>
-            <a:r>
-              <a:rPr lang="en-US" sz="1800" dirty="0"/>
-              <a:t>No modification</a:t>
+              <a:t>Unprocessed data</a:t>
             </a:r>
           </a:p>
           <a:p>
@@ -5595,10 +5597,10 @@
       </p:sp>
       <p:pic>
         <p:nvPicPr>
-          <p:cNvPr id="13" name="Picture 12" descr="Chart&#10;&#10;Description automatically generated">
-            <a:extLst>
-              <a:ext uri="{FF2B5EF4-FFF2-40B4-BE49-F238E27FC236}">
-                <a16:creationId xmlns:a16="http://schemas.microsoft.com/office/drawing/2014/main" id="{85B0F5D5-74D6-400A-A2DB-195479ACF484}"/>
+          <p:cNvPr id="3" name="Picture 2" descr="Chart&#10;&#10;Description automatically generated with low confidence">
+            <a:extLst>
+              <a:ext uri="{FF2B5EF4-FFF2-40B4-BE49-F238E27FC236}">
+                <a16:creationId xmlns:a16="http://schemas.microsoft.com/office/drawing/2014/main" id="{5D16902A-475E-4475-80B0-6DF01292F269}"/>
               </a:ext>
             </a:extLst>
           </p:cNvPr>
@@ -5621,7 +5623,7 @@
         </p:blipFill>
         <p:spPr>
           <a:xfrm>
-            <a:off x="7089059" y="3736462"/>
+            <a:off x="7089059" y="3772002"/>
             <a:ext cx="3974592" cy="2980944"/>
           </a:xfrm>
           <a:prstGeom prst="rect">
@@ -5631,10 +5633,10 @@
       </p:pic>
       <p:pic>
         <p:nvPicPr>
-          <p:cNvPr id="9" name="Picture 8" descr="Chart, line chart&#10;&#10;Description automatically generated">
-            <a:extLst>
-              <a:ext uri="{FF2B5EF4-FFF2-40B4-BE49-F238E27FC236}">
-                <a16:creationId xmlns:a16="http://schemas.microsoft.com/office/drawing/2014/main" id="{DFC9E088-168F-4A84-8875-713226F293F4}"/>
+          <p:cNvPr id="17" name="Picture 16" descr="Chart, line chart&#10;&#10;Description automatically generated">
+            <a:extLst>
+              <a:ext uri="{FF2B5EF4-FFF2-40B4-BE49-F238E27FC236}">
+                <a16:creationId xmlns:a16="http://schemas.microsoft.com/office/drawing/2014/main" id="{D21656C2-F6EE-4CD7-8DE9-AA50A6581A40}"/>
               </a:ext>
             </a:extLst>
           </p:cNvPr>
@@ -5667,10 +5669,10 @@
       </p:pic>
       <p:pic>
         <p:nvPicPr>
-          <p:cNvPr id="14" name="Picture 13" descr="Chart&#10;&#10;Description automatically generated">
-            <a:extLst>
-              <a:ext uri="{FF2B5EF4-FFF2-40B4-BE49-F238E27FC236}">
-                <a16:creationId xmlns:a16="http://schemas.microsoft.com/office/drawing/2014/main" id="{E49DF2E6-842A-46F2-BD0E-A6934A2E1EB9}"/>
+          <p:cNvPr id="18" name="Picture 17" descr="Chart&#10;&#10;Description automatically generated">
+            <a:extLst>
+              <a:ext uri="{FF2B5EF4-FFF2-40B4-BE49-F238E27FC236}">
+                <a16:creationId xmlns:a16="http://schemas.microsoft.com/office/drawing/2014/main" id="{2E5BB457-3F15-4376-8E14-156C62FAE391}"/>
               </a:ext>
             </a:extLst>
           </p:cNvPr>
@@ -5693,7 +5695,7 @@
         </p:blipFill>
         <p:spPr>
           <a:xfrm>
-            <a:off x="7089059" y="389758"/>
+            <a:off x="7089059" y="425298"/>
             <a:ext cx="4462272" cy="3346704"/>
           </a:xfrm>
           <a:prstGeom prst="rect">
@@ -5706,7 +5708,7 @@
           <p:cNvPr id="6" name="Rectangle 5">
             <a:extLst>
               <a:ext uri="{FF2B5EF4-FFF2-40B4-BE49-F238E27FC236}">
-                <a16:creationId xmlns:a16="http://schemas.microsoft.com/office/drawing/2014/main" id="{485CEA26-BC07-4290-B6F1-AD210D945C8F}"/>
+                <a16:creationId xmlns:a16="http://schemas.microsoft.com/office/drawing/2014/main" id="{975403FC-ED4A-45D8-BB9D-D93CCEE5CC6C}"/>
               </a:ext>
             </a:extLst>
           </p:cNvPr>
@@ -5756,7 +5758,7 @@
     </p:spTree>
     <p:extLst>
       <p:ext uri="{BB962C8B-B14F-4D97-AF65-F5344CB8AC3E}">
-        <p14:creationId xmlns:p14="http://schemas.microsoft.com/office/powerpoint/2010/main" val="482760846"/>
+        <p14:creationId xmlns:p14="http://schemas.microsoft.com/office/powerpoint/2010/main" val="629351490"/>
       </p:ext>
     </p:extLst>
   </p:cSld>
@@ -5818,10 +5820,10 @@
       </p:sp>
       <p:pic>
         <p:nvPicPr>
-          <p:cNvPr id="13" name="Picture 12" descr="Chart, histogram&#10;&#10;Description automatically generated">
-            <a:extLst>
-              <a:ext uri="{FF2B5EF4-FFF2-40B4-BE49-F238E27FC236}">
-                <a16:creationId xmlns:a16="http://schemas.microsoft.com/office/drawing/2014/main" id="{AAB789F9-EF5E-4C76-8981-4BABEF2DD8E6}"/>
+          <p:cNvPr id="3" name="Picture 2" descr="Chart, histogram&#10;&#10;Description automatically generated">
+            <a:extLst>
+              <a:ext uri="{FF2B5EF4-FFF2-40B4-BE49-F238E27FC236}">
+                <a16:creationId xmlns:a16="http://schemas.microsoft.com/office/drawing/2014/main" id="{D18F98AF-6D9D-439C-B126-20E24BB7B489}"/>
               </a:ext>
             </a:extLst>
           </p:cNvPr>
@@ -5854,10 +5856,10 @@
       </p:pic>
       <p:pic>
         <p:nvPicPr>
-          <p:cNvPr id="8" name="Picture 7" descr="Chart, line chart&#10;&#10;Description automatically generated">
-            <a:extLst>
-              <a:ext uri="{FF2B5EF4-FFF2-40B4-BE49-F238E27FC236}">
-                <a16:creationId xmlns:a16="http://schemas.microsoft.com/office/drawing/2014/main" id="{0DEC1C41-976F-4213-84B6-82AFD128EF81}"/>
+          <p:cNvPr id="13" name="Picture 12" descr="Chart, line chart&#10;&#10;Description automatically generated">
+            <a:extLst>
+              <a:ext uri="{FF2B5EF4-FFF2-40B4-BE49-F238E27FC236}">
+                <a16:creationId xmlns:a16="http://schemas.microsoft.com/office/drawing/2014/main" id="{39E41136-8306-457D-A996-28A66CCF7FC4}"/>
               </a:ext>
             </a:extLst>
           </p:cNvPr>
@@ -5890,10 +5892,10 @@
       </p:pic>
       <p:pic>
         <p:nvPicPr>
-          <p:cNvPr id="18" name="Picture 17" descr="Chart&#10;&#10;Description automatically generated">
-            <a:extLst>
-              <a:ext uri="{FF2B5EF4-FFF2-40B4-BE49-F238E27FC236}">
-                <a16:creationId xmlns:a16="http://schemas.microsoft.com/office/drawing/2014/main" id="{7CFC57F0-B1BB-475D-A32E-2818D2948897}"/>
+          <p:cNvPr id="14" name="Picture 13" descr="Chart&#10;&#10;Description automatically generated">
+            <a:extLst>
+              <a:ext uri="{FF2B5EF4-FFF2-40B4-BE49-F238E27FC236}">
+                <a16:creationId xmlns:a16="http://schemas.microsoft.com/office/drawing/2014/main" id="{ED9442A7-E1CA-4423-9EA7-C37E329C6ACD}"/>
               </a:ext>
             </a:extLst>
           </p:cNvPr>
@@ -5929,7 +5931,7 @@
           <p:cNvPr id="6" name="Rectangle 5">
             <a:extLst>
               <a:ext uri="{FF2B5EF4-FFF2-40B4-BE49-F238E27FC236}">
-                <a16:creationId xmlns:a16="http://schemas.microsoft.com/office/drawing/2014/main" id="{F191D5C6-8989-4FD8-9347-EE0ED5D59FE0}"/>
+                <a16:creationId xmlns:a16="http://schemas.microsoft.com/office/drawing/2014/main" id="{080961C2-EBD3-431E-8676-B1448045A534}"/>
               </a:ext>
             </a:extLst>
           </p:cNvPr>
@@ -5979,7 +5981,7 @@
     </p:spTree>
     <p:extLst>
       <p:ext uri="{BB962C8B-B14F-4D97-AF65-F5344CB8AC3E}">
-        <p14:creationId xmlns:p14="http://schemas.microsoft.com/office/powerpoint/2010/main" val="2576847802"/>
+        <p14:creationId xmlns:p14="http://schemas.microsoft.com/office/powerpoint/2010/main" val="1567104307"/>
       </p:ext>
     </p:extLst>
   </p:cSld>
@@ -6041,10 +6043,10 @@
       </p:sp>
       <p:pic>
         <p:nvPicPr>
-          <p:cNvPr id="11" name="Picture 10" descr="Chart&#10;&#10;Description automatically generated">
-            <a:extLst>
-              <a:ext uri="{FF2B5EF4-FFF2-40B4-BE49-F238E27FC236}">
-                <a16:creationId xmlns:a16="http://schemas.microsoft.com/office/drawing/2014/main" id="{D8DF29AE-0907-437D-B85E-B6B915B1CCC2}"/>
+          <p:cNvPr id="3" name="Picture 2" descr="Chart&#10;&#10;Description automatically generated">
+            <a:extLst>
+              <a:ext uri="{FF2B5EF4-FFF2-40B4-BE49-F238E27FC236}">
+                <a16:creationId xmlns:a16="http://schemas.microsoft.com/office/drawing/2014/main" id="{7FF99A41-90DF-48D9-AA42-78FC8172BBCE}"/>
               </a:ext>
             </a:extLst>
           </p:cNvPr>
@@ -6077,10 +6079,10 @@
       </p:pic>
       <p:pic>
         <p:nvPicPr>
-          <p:cNvPr id="9" name="Picture 8" descr="A picture containing chart&#10;&#10;Description automatically generated">
-            <a:extLst>
-              <a:ext uri="{FF2B5EF4-FFF2-40B4-BE49-F238E27FC236}">
-                <a16:creationId xmlns:a16="http://schemas.microsoft.com/office/drawing/2014/main" id="{8FF39B63-96DA-4117-8053-5CA935D37E12}"/>
+          <p:cNvPr id="13" name="Picture 12" descr="Chart, line chart&#10;&#10;Description automatically generated">
+            <a:extLst>
+              <a:ext uri="{FF2B5EF4-FFF2-40B4-BE49-F238E27FC236}">
+                <a16:creationId xmlns:a16="http://schemas.microsoft.com/office/drawing/2014/main" id="{7DCD1449-415A-4D17-ACF6-F63D7E189A45}"/>
               </a:ext>
             </a:extLst>
           </p:cNvPr>
@@ -6113,10 +6115,10 @@
       </p:pic>
       <p:pic>
         <p:nvPicPr>
-          <p:cNvPr id="15" name="Picture 14" descr="Chart&#10;&#10;Description automatically generated">
-            <a:extLst>
-              <a:ext uri="{FF2B5EF4-FFF2-40B4-BE49-F238E27FC236}">
-                <a16:creationId xmlns:a16="http://schemas.microsoft.com/office/drawing/2014/main" id="{777DF070-AB85-400B-975D-2E721976DDF9}"/>
+          <p:cNvPr id="14" name="Picture 13" descr="Chart&#10;&#10;Description automatically generated">
+            <a:extLst>
+              <a:ext uri="{FF2B5EF4-FFF2-40B4-BE49-F238E27FC236}">
+                <a16:creationId xmlns:a16="http://schemas.microsoft.com/office/drawing/2014/main" id="{F3DBB831-D840-45AD-8BEE-3FF3D1D4546F}"/>
               </a:ext>
             </a:extLst>
           </p:cNvPr>
@@ -6152,7 +6154,7 @@
           <p:cNvPr id="6" name="Rectangle 5">
             <a:extLst>
               <a:ext uri="{FF2B5EF4-FFF2-40B4-BE49-F238E27FC236}">
-                <a16:creationId xmlns:a16="http://schemas.microsoft.com/office/drawing/2014/main" id="{B09DB559-1910-4B42-AA60-694C3B167C22}"/>
+                <a16:creationId xmlns:a16="http://schemas.microsoft.com/office/drawing/2014/main" id="{324CD70B-9B1F-4607-B2D0-13988E991283}"/>
               </a:ext>
             </a:extLst>
           </p:cNvPr>
@@ -6202,7 +6204,7 @@
     </p:spTree>
     <p:extLst>
       <p:ext uri="{BB962C8B-B14F-4D97-AF65-F5344CB8AC3E}">
-        <p14:creationId xmlns:p14="http://schemas.microsoft.com/office/powerpoint/2010/main" val="1286968106"/>
+        <p14:creationId xmlns:p14="http://schemas.microsoft.com/office/powerpoint/2010/main" val="2886163851"/>
       </p:ext>
     </p:extLst>
   </p:cSld>
@@ -6267,7 +6269,7 @@
           <p:cNvPr id="3" name="Picture 2" descr="Chart, histogram&#10;&#10;Description automatically generated">
             <a:extLst>
               <a:ext uri="{FF2B5EF4-FFF2-40B4-BE49-F238E27FC236}">
-                <a16:creationId xmlns:a16="http://schemas.microsoft.com/office/drawing/2014/main" id="{D7815FB3-D780-4D35-A23C-4B55FC447615}"/>
+                <a16:creationId xmlns:a16="http://schemas.microsoft.com/office/drawing/2014/main" id="{1BAB6A67-3AA1-4E0D-BFE4-0252C54ADFAC}"/>
               </a:ext>
             </a:extLst>
           </p:cNvPr>
@@ -6300,10 +6302,10 @@
       </p:pic>
       <p:pic>
         <p:nvPicPr>
-          <p:cNvPr id="13" name="Picture 12" descr="A picture containing chart&#10;&#10;Description automatically generated">
-            <a:extLst>
-              <a:ext uri="{FF2B5EF4-FFF2-40B4-BE49-F238E27FC236}">
-                <a16:creationId xmlns:a16="http://schemas.microsoft.com/office/drawing/2014/main" id="{90550DFF-39C4-49DB-9FEC-33BD4708C6BE}"/>
+          <p:cNvPr id="13" name="Picture 12" descr="Chart&#10;&#10;Description automatically generated">
+            <a:extLst>
+              <a:ext uri="{FF2B5EF4-FFF2-40B4-BE49-F238E27FC236}">
+                <a16:creationId xmlns:a16="http://schemas.microsoft.com/office/drawing/2014/main" id="{33826750-E1AC-4634-9705-BD8F10415894}"/>
               </a:ext>
             </a:extLst>
           </p:cNvPr>
@@ -6339,7 +6341,7 @@
           <p:cNvPr id="14" name="Picture 13" descr="Chart&#10;&#10;Description automatically generated">
             <a:extLst>
               <a:ext uri="{FF2B5EF4-FFF2-40B4-BE49-F238E27FC236}">
-                <a16:creationId xmlns:a16="http://schemas.microsoft.com/office/drawing/2014/main" id="{A63D5AD6-E248-4704-90EE-812358EC9E62}"/>
+                <a16:creationId xmlns:a16="http://schemas.microsoft.com/office/drawing/2014/main" id="{DAF41AD1-AFAA-4AAF-ABA2-FEEB2DF95772}"/>
               </a:ext>
             </a:extLst>
           </p:cNvPr>
@@ -6375,7 +6377,7 @@
           <p:cNvPr id="6" name="Rectangle 5">
             <a:extLst>
               <a:ext uri="{FF2B5EF4-FFF2-40B4-BE49-F238E27FC236}">
-                <a16:creationId xmlns:a16="http://schemas.microsoft.com/office/drawing/2014/main" id="{418D6D7C-3980-4CD9-89DF-25B8257F04E7}"/>
+                <a16:creationId xmlns:a16="http://schemas.microsoft.com/office/drawing/2014/main" id="{336D20CA-CEBE-408E-818A-6DAC91850FF9}"/>
               </a:ext>
             </a:extLst>
           </p:cNvPr>
@@ -6425,7 +6427,7 @@
     </p:spTree>
     <p:extLst>
       <p:ext uri="{BB962C8B-B14F-4D97-AF65-F5344CB8AC3E}">
-        <p14:creationId xmlns:p14="http://schemas.microsoft.com/office/powerpoint/2010/main" val="3067977501"/>
+        <p14:creationId xmlns:p14="http://schemas.microsoft.com/office/powerpoint/2010/main" val="4119763685"/>
       </p:ext>
     </p:extLst>
   </p:cSld>
@@ -6713,7 +6715,7 @@
           <p:cNvPr id="3" name="Picture 2" descr="Chart, histogram&#10;&#10;Description automatically generated">
             <a:extLst>
               <a:ext uri="{FF2B5EF4-FFF2-40B4-BE49-F238E27FC236}">
-                <a16:creationId xmlns:a16="http://schemas.microsoft.com/office/drawing/2014/main" id="{1BAB6A67-3AA1-4E0D-BFE4-0252C54ADFAC}"/>
+                <a16:creationId xmlns:a16="http://schemas.microsoft.com/office/drawing/2014/main" id="{D7815FB3-D780-4D35-A23C-4B55FC447615}"/>
               </a:ext>
             </a:extLst>
           </p:cNvPr>
@@ -6746,10 +6748,10 @@
       </p:pic>
       <p:pic>
         <p:nvPicPr>
-          <p:cNvPr id="13" name="Picture 12" descr="Chart&#10;&#10;Description automatically generated">
-            <a:extLst>
-              <a:ext uri="{FF2B5EF4-FFF2-40B4-BE49-F238E27FC236}">
-                <a16:creationId xmlns:a16="http://schemas.microsoft.com/office/drawing/2014/main" id="{33826750-E1AC-4634-9705-BD8F10415894}"/>
+          <p:cNvPr id="13" name="Picture 12" descr="A picture containing chart&#10;&#10;Description automatically generated">
+            <a:extLst>
+              <a:ext uri="{FF2B5EF4-FFF2-40B4-BE49-F238E27FC236}">
+                <a16:creationId xmlns:a16="http://schemas.microsoft.com/office/drawing/2014/main" id="{90550DFF-39C4-49DB-9FEC-33BD4708C6BE}"/>
               </a:ext>
             </a:extLst>
           </p:cNvPr>
@@ -6785,7 +6787,7 @@
           <p:cNvPr id="14" name="Picture 13" descr="Chart&#10;&#10;Description automatically generated">
             <a:extLst>
               <a:ext uri="{FF2B5EF4-FFF2-40B4-BE49-F238E27FC236}">
-                <a16:creationId xmlns:a16="http://schemas.microsoft.com/office/drawing/2014/main" id="{DAF41AD1-AFAA-4AAF-ABA2-FEEB2DF95772}"/>
+                <a16:creationId xmlns:a16="http://schemas.microsoft.com/office/drawing/2014/main" id="{A63D5AD6-E248-4704-90EE-812358EC9E62}"/>
               </a:ext>
             </a:extLst>
           </p:cNvPr>
@@ -6821,7 +6823,7 @@
           <p:cNvPr id="6" name="Rectangle 5">
             <a:extLst>
               <a:ext uri="{FF2B5EF4-FFF2-40B4-BE49-F238E27FC236}">
-                <a16:creationId xmlns:a16="http://schemas.microsoft.com/office/drawing/2014/main" id="{336D20CA-CEBE-408E-818A-6DAC91850FF9}"/>
+                <a16:creationId xmlns:a16="http://schemas.microsoft.com/office/drawing/2014/main" id="{418D6D7C-3980-4CD9-89DF-25B8257F04E7}"/>
               </a:ext>
             </a:extLst>
           </p:cNvPr>
@@ -6871,7 +6873,7 @@
     </p:spTree>
     <p:extLst>
       <p:ext uri="{BB962C8B-B14F-4D97-AF65-F5344CB8AC3E}">
-        <p14:creationId xmlns:p14="http://schemas.microsoft.com/office/powerpoint/2010/main" val="4119763685"/>
+        <p14:creationId xmlns:p14="http://schemas.microsoft.com/office/powerpoint/2010/main" val="3067977501"/>
       </p:ext>
     </p:extLst>
   </p:cSld>
@@ -7177,21 +7179,6 @@
 </file>
 
 <file path=customXml/item1.xml><?xml version="1.0" encoding="utf-8"?>
-<?mso-contentType ?>
-<FormTemplates xmlns="http://schemas.microsoft.com/sharepoint/v3/contenttype/forms">
-  <Display>DocumentLibraryForm</Display>
-  <Edit>DocumentLibraryForm</Edit>
-  <New>DocumentLibraryForm</New>
-</FormTemplates>
-</file>
-
-<file path=customXml/item2.xml><?xml version="1.0" encoding="utf-8"?>
-<p:properties xmlns:p="http://schemas.microsoft.com/office/2006/metadata/properties" xmlns:xsi="http://www.w3.org/2001/XMLSchema-instance" xmlns:pc="http://schemas.microsoft.com/office/infopath/2007/PartnerControls">
-  <documentManagement/>
-</p:properties>
-</file>
-
-<file path=customXml/item3.xml><?xml version="1.0" encoding="utf-8"?>
 <ct:contentTypeSchema xmlns:ct="http://schemas.microsoft.com/office/2006/metadata/contentType" xmlns:ma="http://schemas.microsoft.com/office/2006/metadata/properties/metaAttributes" ct:_="" ma:_="" ma:contentTypeName="Document" ma:contentTypeID="0x010100678B61A444D69E4A9A20602E1C092D53" ma:contentTypeVersion="7" ma:contentTypeDescription="Create a new document." ma:contentTypeScope="" ma:versionID="eab6674a319847deff9426538165fa0e">
   <xsd:schema xmlns:xsd="http://www.w3.org/2001/XMLSchema" xmlns:xs="http://www.w3.org/2001/XMLSchema" xmlns:p="http://schemas.microsoft.com/office/2006/metadata/properties" xmlns:ns3="d738a0d9-f7f3-41d7-8641-8195baf251ff" xmlns:ns4="cabf7a65-a4fd-4bbc-b3a0-147a688f3e5e" targetNamespace="http://schemas.microsoft.com/office/2006/metadata/properties" ma:root="true" ma:fieldsID="9cc7a6b499c853e180508048ccee0eaf" ns3:_="" ns4:_="">
     <xsd:import namespace="d738a0d9-f7f3-41d7-8641-8195baf251ff"/>
@@ -7376,10 +7363,36 @@
 </ct:contentTypeSchema>
 </file>
 
+<file path=customXml/item2.xml><?xml version="1.0" encoding="utf-8"?>
+<p:properties xmlns:p="http://schemas.microsoft.com/office/2006/metadata/properties" xmlns:xsi="http://www.w3.org/2001/XMLSchema-instance" xmlns:pc="http://schemas.microsoft.com/office/infopath/2007/PartnerControls">
+  <documentManagement/>
+</p:properties>
+</file>
+
+<file path=customXml/item3.xml><?xml version="1.0" encoding="utf-8"?>
+<?mso-contentType ?>
+<FormTemplates xmlns="http://schemas.microsoft.com/sharepoint/v3/contenttype/forms">
+  <Display>DocumentLibraryForm</Display>
+  <Edit>DocumentLibraryForm</Edit>
+  <New>DocumentLibraryForm</New>
+</FormTemplates>
+</file>
+
 <file path=customXml/itemProps1.xml><?xml version="1.0" encoding="utf-8"?>
-<ds:datastoreItem xmlns:ds="http://schemas.openxmlformats.org/officeDocument/2006/customXml" ds:itemID="{EA5B086E-9652-4EFC-BF73-D5D101373FF4}">
+<ds:datastoreItem xmlns:ds="http://schemas.openxmlformats.org/officeDocument/2006/customXml" ds:itemID="{A57B7865-281F-4933-92ED-4036A19D2359}">
   <ds:schemaRefs>
-    <ds:schemaRef ds:uri="http://schemas.microsoft.com/sharepoint/v3/contenttype/forms"/>
+    <ds:schemaRef ds:uri="http://schemas.microsoft.com/office/2006/metadata/contentType"/>
+    <ds:schemaRef ds:uri="http://schemas.microsoft.com/office/2006/metadata/properties/metaAttributes"/>
+    <ds:schemaRef ds:uri="http://www.w3.org/2001/XMLSchema"/>
+    <ds:schemaRef ds:uri="http://schemas.microsoft.com/office/2006/metadata/properties"/>
+    <ds:schemaRef ds:uri="d738a0d9-f7f3-41d7-8641-8195baf251ff"/>
+    <ds:schemaRef ds:uri="cabf7a65-a4fd-4bbc-b3a0-147a688f3e5e"/>
+    <ds:schemaRef ds:uri="http://schemas.microsoft.com/office/2006/documentManagement/types"/>
+    <ds:schemaRef ds:uri="http://schemas.microsoft.com/office/infopath/2007/PartnerControls"/>
+    <ds:schemaRef ds:uri="http://schemas.openxmlformats.org/package/2006/metadata/core-properties"/>
+    <ds:schemaRef ds:uri="http://purl.org/dc/elements/1.1/"/>
+    <ds:schemaRef ds:uri="http://purl.org/dc/terms/"/>
+    <ds:schemaRef ds:uri="http://schemas.microsoft.com/internal/obd"/>
   </ds:schemaRefs>
 </ds:datastoreItem>
 </file>
@@ -7402,20 +7415,9 @@
 </file>
 
 <file path=customXml/itemProps3.xml><?xml version="1.0" encoding="utf-8"?>
-<ds:datastoreItem xmlns:ds="http://schemas.openxmlformats.org/officeDocument/2006/customXml" ds:itemID="{A57B7865-281F-4933-92ED-4036A19D2359}">
+<ds:datastoreItem xmlns:ds="http://schemas.openxmlformats.org/officeDocument/2006/customXml" ds:itemID="{EA5B086E-9652-4EFC-BF73-D5D101373FF4}">
   <ds:schemaRefs>
-    <ds:schemaRef ds:uri="http://schemas.microsoft.com/office/2006/metadata/contentType"/>
-    <ds:schemaRef ds:uri="http://schemas.microsoft.com/office/2006/metadata/properties/metaAttributes"/>
-    <ds:schemaRef ds:uri="http://www.w3.org/2001/XMLSchema"/>
-    <ds:schemaRef ds:uri="http://schemas.microsoft.com/office/2006/metadata/properties"/>
-    <ds:schemaRef ds:uri="d738a0d9-f7f3-41d7-8641-8195baf251ff"/>
-    <ds:schemaRef ds:uri="cabf7a65-a4fd-4bbc-b3a0-147a688f3e5e"/>
-    <ds:schemaRef ds:uri="http://schemas.microsoft.com/office/2006/documentManagement/types"/>
-    <ds:schemaRef ds:uri="http://schemas.microsoft.com/office/infopath/2007/PartnerControls"/>
-    <ds:schemaRef ds:uri="http://schemas.openxmlformats.org/package/2006/metadata/core-properties"/>
-    <ds:schemaRef ds:uri="http://purl.org/dc/elements/1.1/"/>
-    <ds:schemaRef ds:uri="http://purl.org/dc/terms/"/>
-    <ds:schemaRef ds:uri="http://schemas.microsoft.com/internal/obd"/>
+    <ds:schemaRef ds:uri="http://schemas.microsoft.com/sharepoint/v3/contenttype/forms"/>
   </ds:schemaRefs>
 </ds:datastoreItem>
 </file>